--- a/tests/SV_parser.pptx
+++ b/tests/SV_parser.pptx
@@ -5821,6 +5821,16 @@
               <a:rPr lang="en-US" altLang="ja-JP" dirty="0"/>
               <a:t>)</a:t>
             </a:r>
+          </a:p>
+          <a:p>
+            <a:r>
+              <a:rPr kumimoji="1" lang="en-US" altLang="ja-JP" dirty="0" err="1"/>
+              <a:t>Annot</a:t>
+            </a:r>
+            <a:r>
+              <a:rPr lang="en-US" altLang="ja-JP" dirty="0" err="1"/>
+              <a:t>SV</a:t>
+            </a:r>
             <a:endParaRPr kumimoji="1" lang="ja-JP" altLang="en-US"/>
           </a:p>
         </p:txBody>

--- a/tests/SV_parser.pptx
+++ b/tests/SV_parser.pptx
@@ -12,7 +12,8 @@
     <p:sldId id="259" r:id="rId6"/>
     <p:sldId id="260" r:id="rId7"/>
     <p:sldId id="262" r:id="rId8"/>
-    <p:sldId id="263" r:id="rId9"/>
+    <p:sldId id="264" r:id="rId9"/>
+    <p:sldId id="263" r:id="rId10"/>
   </p:sldIdLst>
   <p:sldSz cx="12192000" cy="6858000"/>
   <p:notesSz cx="6858000" cy="9144000"/>
@@ -266,7 +267,7 @@
           <a:p>
             <a:fld id="{1CF78A8A-3CE8-AD42-9F64-2EE59F845A15}" type="datetimeFigureOut">
               <a:rPr kumimoji="1" lang="ja-JP" altLang="en-US" smtClean="0"/>
-              <a:t>2020/9/27</a:t>
+              <a:t>2020/10/11</a:t>
             </a:fld>
             <a:endParaRPr kumimoji="1" lang="ja-JP" altLang="en-US"/>
           </a:p>
@@ -496,7 +497,7 @@
           <a:p>
             <a:fld id="{1CF78A8A-3CE8-AD42-9F64-2EE59F845A15}" type="datetimeFigureOut">
               <a:rPr kumimoji="1" lang="ja-JP" altLang="en-US" smtClean="0"/>
-              <a:t>2020/9/27</a:t>
+              <a:t>2020/10/11</a:t>
             </a:fld>
             <a:endParaRPr kumimoji="1" lang="ja-JP" altLang="en-US"/>
           </a:p>
@@ -736,7 +737,7 @@
           <a:p>
             <a:fld id="{1CF78A8A-3CE8-AD42-9F64-2EE59F845A15}" type="datetimeFigureOut">
               <a:rPr kumimoji="1" lang="ja-JP" altLang="en-US" smtClean="0"/>
-              <a:t>2020/9/27</a:t>
+              <a:t>2020/10/11</a:t>
             </a:fld>
             <a:endParaRPr kumimoji="1" lang="ja-JP" altLang="en-US"/>
           </a:p>
@@ -966,7 +967,7 @@
           <a:p>
             <a:fld id="{1CF78A8A-3CE8-AD42-9F64-2EE59F845A15}" type="datetimeFigureOut">
               <a:rPr kumimoji="1" lang="ja-JP" altLang="en-US" smtClean="0"/>
-              <a:t>2020/9/27</a:t>
+              <a:t>2020/10/11</a:t>
             </a:fld>
             <a:endParaRPr kumimoji="1" lang="ja-JP" altLang="en-US"/>
           </a:p>
@@ -1241,7 +1242,7 @@
           <a:p>
             <a:fld id="{1CF78A8A-3CE8-AD42-9F64-2EE59F845A15}" type="datetimeFigureOut">
               <a:rPr kumimoji="1" lang="ja-JP" altLang="en-US" smtClean="0"/>
-              <a:t>2020/9/27</a:t>
+              <a:t>2020/10/11</a:t>
             </a:fld>
             <a:endParaRPr kumimoji="1" lang="ja-JP" altLang="en-US"/>
           </a:p>
@@ -1570,7 +1571,7 @@
           <a:p>
             <a:fld id="{1CF78A8A-3CE8-AD42-9F64-2EE59F845A15}" type="datetimeFigureOut">
               <a:rPr kumimoji="1" lang="ja-JP" altLang="en-US" smtClean="0"/>
-              <a:t>2020/9/27</a:t>
+              <a:t>2020/10/11</a:t>
             </a:fld>
             <a:endParaRPr kumimoji="1" lang="ja-JP" altLang="en-US"/>
           </a:p>
@@ -2046,7 +2047,7 @@
           <a:p>
             <a:fld id="{1CF78A8A-3CE8-AD42-9F64-2EE59F845A15}" type="datetimeFigureOut">
               <a:rPr kumimoji="1" lang="ja-JP" altLang="en-US" smtClean="0"/>
-              <a:t>2020/9/27</a:t>
+              <a:t>2020/10/11</a:t>
             </a:fld>
             <a:endParaRPr kumimoji="1" lang="ja-JP" altLang="en-US"/>
           </a:p>
@@ -2187,7 +2188,7 @@
           <a:p>
             <a:fld id="{1CF78A8A-3CE8-AD42-9F64-2EE59F845A15}" type="datetimeFigureOut">
               <a:rPr kumimoji="1" lang="ja-JP" altLang="en-US" smtClean="0"/>
-              <a:t>2020/9/27</a:t>
+              <a:t>2020/10/11</a:t>
             </a:fld>
             <a:endParaRPr kumimoji="1" lang="ja-JP" altLang="en-US"/>
           </a:p>
@@ -2300,7 +2301,7 @@
           <a:p>
             <a:fld id="{1CF78A8A-3CE8-AD42-9F64-2EE59F845A15}" type="datetimeFigureOut">
               <a:rPr kumimoji="1" lang="ja-JP" altLang="en-US" smtClean="0"/>
-              <a:t>2020/9/27</a:t>
+              <a:t>2020/10/11</a:t>
             </a:fld>
             <a:endParaRPr kumimoji="1" lang="ja-JP" altLang="en-US"/>
           </a:p>
@@ -2643,7 +2644,7 @@
           <a:p>
             <a:fld id="{1CF78A8A-3CE8-AD42-9F64-2EE59F845A15}" type="datetimeFigureOut">
               <a:rPr kumimoji="1" lang="ja-JP" altLang="en-US" smtClean="0"/>
-              <a:t>2020/9/27</a:t>
+              <a:t>2020/10/11</a:t>
             </a:fld>
             <a:endParaRPr kumimoji="1" lang="ja-JP" altLang="en-US"/>
           </a:p>
@@ -2931,7 +2932,7 @@
           <a:p>
             <a:fld id="{1CF78A8A-3CE8-AD42-9F64-2EE59F845A15}" type="datetimeFigureOut">
               <a:rPr kumimoji="1" lang="ja-JP" altLang="en-US" smtClean="0"/>
-              <a:t>2020/9/27</a:t>
+              <a:t>2020/10/11</a:t>
             </a:fld>
             <a:endParaRPr kumimoji="1" lang="ja-JP" altLang="en-US"/>
           </a:p>
@@ -3204,7 +3205,7 @@
           <a:p>
             <a:fld id="{1CF78A8A-3CE8-AD42-9F64-2EE59F845A15}" type="datetimeFigureOut">
               <a:rPr kumimoji="1" lang="ja-JP" altLang="en-US" smtClean="0"/>
-              <a:t>2020/9/27</a:t>
+              <a:t>2020/10/11</a:t>
             </a:fld>
             <a:endParaRPr kumimoji="1" lang="ja-JP" altLang="en-US"/>
           </a:p>
@@ -5701,6 +5702,7 @@
               <a:rPr kumimoji="1" lang="ja-JP" altLang="en-US"/>
               <a:t>ワールドに載せることによる拡張性</a:t>
             </a:r>
+            <a:endParaRPr kumimoji="1" lang="en-US" altLang="ja-JP" dirty="0"/>
           </a:p>
         </p:txBody>
       </p:sp>
@@ -5739,6 +5741,112 @@
           <p:cNvPr id="2" name="タイトル 1">
             <a:extLst>
               <a:ext uri="{FF2B5EF4-FFF2-40B4-BE49-F238E27FC236}">
+                <a16:creationId xmlns:a16="http://schemas.microsoft.com/office/drawing/2014/main" id="{BA96F779-03D9-8E4F-BB38-FAB6CDB97A55}"/>
+              </a:ext>
+            </a:extLst>
+          </p:cNvPr>
+          <p:cNvSpPr>
+            <a:spLocks noGrp="1"/>
+          </p:cNvSpPr>
+          <p:nvPr>
+            <p:ph type="title"/>
+          </p:nvPr>
+        </p:nvSpPr>
+        <p:spPr/>
+        <p:txBody>
+          <a:bodyPr/>
+          <a:lstStyle/>
+          <a:p>
+            <a:endParaRPr kumimoji="1" lang="ja-JP" altLang="en-US"/>
+          </a:p>
+        </p:txBody>
+      </p:sp>
+      <p:sp>
+        <p:nvSpPr>
+          <p:cNvPr id="3" name="コンテンツ プレースホルダー 2">
+            <a:extLst>
+              <a:ext uri="{FF2B5EF4-FFF2-40B4-BE49-F238E27FC236}">
+                <a16:creationId xmlns:a16="http://schemas.microsoft.com/office/drawing/2014/main" id="{D834D438-B9DF-7244-9BB7-14B8C0549730}"/>
+              </a:ext>
+            </a:extLst>
+          </p:cNvPr>
+          <p:cNvSpPr>
+            <a:spLocks noGrp="1"/>
+          </p:cNvSpPr>
+          <p:nvPr>
+            <p:ph idx="1"/>
+          </p:nvPr>
+        </p:nvSpPr>
+        <p:spPr/>
+        <p:txBody>
+          <a:bodyPr/>
+          <a:lstStyle/>
+          <a:p>
+            <a:r>
+              <a:rPr kumimoji="1" lang="ja-JP" altLang="en-US"/>
+              <a:t>そもそも</a:t>
+            </a:r>
+            <a:r>
+              <a:rPr kumimoji="1" lang="en-US" altLang="ja-JP" dirty="0"/>
+              <a:t>SV signature</a:t>
+            </a:r>
+            <a:r>
+              <a:rPr kumimoji="1" lang="ja-JP" altLang="en-US"/>
+              <a:t>を考える時に、複雑なクラス分けは必要なのか？</a:t>
+            </a:r>
+            <a:endParaRPr kumimoji="1" lang="en-US" altLang="ja-JP" dirty="0"/>
+          </a:p>
+          <a:p>
+            <a:r>
+              <a:rPr kumimoji="1" lang="ja-JP" altLang="en-US"/>
+              <a:t>変異の大きさと</a:t>
+            </a:r>
+            <a:r>
+              <a:rPr kumimoji="1" lang="en-US" altLang="ja-JP" dirty="0"/>
+              <a:t>balanced</a:t>
+            </a:r>
+            <a:r>
+              <a:rPr kumimoji="1" lang="ja-JP" altLang="en-US"/>
+              <a:t>かどうかがわかれば十分なのでは？？</a:t>
+            </a:r>
+          </a:p>
+        </p:txBody>
+      </p:sp>
+    </p:spTree>
+    <p:extLst>
+      <p:ext uri="{BB962C8B-B14F-4D97-AF65-F5344CB8AC3E}">
+        <p14:creationId xmlns:p14="http://schemas.microsoft.com/office/powerpoint/2010/main" val="1478839342"/>
+      </p:ext>
+    </p:extLst>
+  </p:cSld>
+  <p:clrMapOvr>
+    <a:masterClrMapping/>
+  </p:clrMapOvr>
+</p:sld>
+</file>
+
+<file path=ppt/slides/slide9.xml><?xml version="1.0" encoding="utf-8"?>
+<p:sld xmlns:a="http://schemas.openxmlformats.org/drawingml/2006/main" xmlns:r="http://schemas.openxmlformats.org/officeDocument/2006/relationships" xmlns:p="http://schemas.openxmlformats.org/presentationml/2006/main">
+  <p:cSld>
+    <p:spTree>
+      <p:nvGrpSpPr>
+        <p:cNvPr id="1" name=""/>
+        <p:cNvGrpSpPr/>
+        <p:nvPr/>
+      </p:nvGrpSpPr>
+      <p:grpSpPr>
+        <a:xfrm>
+          <a:off x="0" y="0"/>
+          <a:ext cx="0" cy="0"/>
+          <a:chOff x="0" y="0"/>
+          <a:chExt cx="0" cy="0"/>
+        </a:xfrm>
+      </p:grpSpPr>
+      <p:sp>
+        <p:nvSpPr>
+          <p:cNvPr id="2" name="タイトル 1">
+            <a:extLst>
+              <a:ext uri="{FF2B5EF4-FFF2-40B4-BE49-F238E27FC236}">
                 <a16:creationId xmlns:a16="http://schemas.microsoft.com/office/drawing/2014/main" id="{B8DD84E5-B1A1-0A4C-916B-B63DF156B738}"/>
               </a:ext>
             </a:extLst>
@@ -5830,6 +5938,13 @@
             <a:r>
               <a:rPr lang="en-US" altLang="ja-JP" dirty="0" err="1"/>
               <a:t>SV</a:t>
+            </a:r>
+            <a:endParaRPr lang="en-US" altLang="ja-JP" dirty="0"/>
+          </a:p>
+          <a:p>
+            <a:r>
+              <a:rPr kumimoji="1" lang="en-US" altLang="ja-JP" dirty="0" err="1"/>
+              <a:t>StructuralVariationAnnotation</a:t>
             </a:r>
             <a:endParaRPr kumimoji="1" lang="ja-JP" altLang="en-US"/>
           </a:p>

--- a/tests/SV_parser.pptx
+++ b/tests/SV_parser.pptx
@@ -13,7 +13,8 @@
     <p:sldId id="260" r:id="rId7"/>
     <p:sldId id="262" r:id="rId8"/>
     <p:sldId id="264" r:id="rId9"/>
-    <p:sldId id="263" r:id="rId10"/>
+    <p:sldId id="265" r:id="rId10"/>
+    <p:sldId id="263" r:id="rId11"/>
   </p:sldIdLst>
   <p:sldSz cx="12192000" cy="6858000"/>
   <p:notesSz cx="6858000" cy="9144000"/>
@@ -3701,6 +3702,144 @@
 </p:sld>
 </file>
 
+<file path=ppt/slides/slide10.xml><?xml version="1.0" encoding="utf-8"?>
+<p:sld xmlns:a="http://schemas.openxmlformats.org/drawingml/2006/main" xmlns:r="http://schemas.openxmlformats.org/officeDocument/2006/relationships" xmlns:p="http://schemas.openxmlformats.org/presentationml/2006/main">
+  <p:cSld>
+    <p:spTree>
+      <p:nvGrpSpPr>
+        <p:cNvPr id="1" name=""/>
+        <p:cNvGrpSpPr/>
+        <p:nvPr/>
+      </p:nvGrpSpPr>
+      <p:grpSpPr>
+        <a:xfrm>
+          <a:off x="0" y="0"/>
+          <a:ext cx="0" cy="0"/>
+          <a:chOff x="0" y="0"/>
+          <a:chExt cx="0" cy="0"/>
+        </a:xfrm>
+      </p:grpSpPr>
+      <p:sp>
+        <p:nvSpPr>
+          <p:cNvPr id="2" name="タイトル 1">
+            <a:extLst>
+              <a:ext uri="{FF2B5EF4-FFF2-40B4-BE49-F238E27FC236}">
+                <a16:creationId xmlns:a16="http://schemas.microsoft.com/office/drawing/2014/main" id="{B8DD84E5-B1A1-0A4C-916B-B63DF156B738}"/>
+              </a:ext>
+            </a:extLst>
+          </p:cNvPr>
+          <p:cNvSpPr>
+            <a:spLocks noGrp="1"/>
+          </p:cNvSpPr>
+          <p:nvPr>
+            <p:ph type="title"/>
+          </p:nvPr>
+        </p:nvSpPr>
+        <p:spPr/>
+        <p:txBody>
+          <a:bodyPr/>
+          <a:lstStyle/>
+          <a:p>
+            <a:r>
+              <a:rPr kumimoji="1" lang="ja-JP" altLang="en-US"/>
+              <a:t>主な競合</a:t>
+            </a:r>
+          </a:p>
+        </p:txBody>
+      </p:sp>
+      <p:sp>
+        <p:nvSpPr>
+          <p:cNvPr id="3" name="コンテンツ プレースホルダー 2">
+            <a:extLst>
+              <a:ext uri="{FF2B5EF4-FFF2-40B4-BE49-F238E27FC236}">
+                <a16:creationId xmlns:a16="http://schemas.microsoft.com/office/drawing/2014/main" id="{B5CA4BDA-CBD3-3745-B4A4-1F6816EA8052}"/>
+              </a:ext>
+            </a:extLst>
+          </p:cNvPr>
+          <p:cNvSpPr>
+            <a:spLocks noGrp="1"/>
+          </p:cNvSpPr>
+          <p:nvPr>
+            <p:ph idx="1"/>
+          </p:nvPr>
+        </p:nvSpPr>
+        <p:spPr/>
+        <p:txBody>
+          <a:bodyPr/>
+          <a:lstStyle/>
+          <a:p>
+            <a:r>
+              <a:rPr kumimoji="1" lang="en-US" altLang="ja-JP" dirty="0" err="1"/>
+              <a:t>PyVCF</a:t>
+            </a:r>
+            <a:r>
+              <a:rPr kumimoji="1" lang="en-US" altLang="ja-JP" dirty="0"/>
+              <a:t>(</a:t>
+            </a:r>
+            <a:r>
+              <a:rPr kumimoji="1" lang="ja-JP" altLang="en-US"/>
+              <a:t>依存することにした</a:t>
+            </a:r>
+            <a:r>
+              <a:rPr kumimoji="1" lang="en-US" altLang="ja-JP" dirty="0"/>
+              <a:t>)</a:t>
+            </a:r>
+          </a:p>
+          <a:p>
+            <a:r>
+              <a:rPr lang="en-US" altLang="ja-JP" dirty="0"/>
+              <a:t>VCF Explorer(GUI</a:t>
+            </a:r>
+            <a:r>
+              <a:rPr lang="ja-JP" altLang="en-US"/>
+              <a:t>ソフト。</a:t>
+            </a:r>
+            <a:r>
+              <a:rPr lang="en-US" altLang="ja-JP" dirty="0"/>
+              <a:t>SV</a:t>
+            </a:r>
+            <a:r>
+              <a:rPr lang="ja-JP" altLang="en-US"/>
+              <a:t>特化ではない</a:t>
+            </a:r>
+            <a:r>
+              <a:rPr lang="en-US" altLang="ja-JP" dirty="0"/>
+              <a:t>)</a:t>
+            </a:r>
+          </a:p>
+          <a:p>
+            <a:r>
+              <a:rPr kumimoji="1" lang="en-US" altLang="ja-JP" dirty="0" err="1"/>
+              <a:t>Annot</a:t>
+            </a:r>
+            <a:r>
+              <a:rPr lang="en-US" altLang="ja-JP" dirty="0" err="1"/>
+              <a:t>SV</a:t>
+            </a:r>
+            <a:endParaRPr lang="en-US" altLang="ja-JP" dirty="0"/>
+          </a:p>
+          <a:p>
+            <a:r>
+              <a:rPr kumimoji="1" lang="en-US" altLang="ja-JP" dirty="0" err="1"/>
+              <a:t>StructuralVariationAnnotation</a:t>
+            </a:r>
+            <a:endParaRPr kumimoji="1" lang="ja-JP" altLang="en-US"/>
+          </a:p>
+        </p:txBody>
+      </p:sp>
+    </p:spTree>
+    <p:extLst>
+      <p:ext uri="{BB962C8B-B14F-4D97-AF65-F5344CB8AC3E}">
+        <p14:creationId xmlns:p14="http://schemas.microsoft.com/office/powerpoint/2010/main" val="2415032305"/>
+      </p:ext>
+    </p:extLst>
+  </p:cSld>
+  <p:clrMapOvr>
+    <a:masterClrMapping/>
+  </p:clrMapOvr>
+</p:sld>
+</file>
+
 <file path=ppt/slides/slide2.xml><?xml version="1.0" encoding="utf-8"?>
 <p:sld xmlns:a="http://schemas.openxmlformats.org/drawingml/2006/main" xmlns:r="http://schemas.openxmlformats.org/officeDocument/2006/relationships" xmlns:p="http://schemas.openxmlformats.org/presentationml/2006/main">
   <p:cSld>
@@ -5847,7 +5986,7 @@
           <p:cNvPr id="2" name="タイトル 1">
             <a:extLst>
               <a:ext uri="{FF2B5EF4-FFF2-40B4-BE49-F238E27FC236}">
-                <a16:creationId xmlns:a16="http://schemas.microsoft.com/office/drawing/2014/main" id="{B8DD84E5-B1A1-0A4C-916B-B63DF156B738}"/>
+                <a16:creationId xmlns:a16="http://schemas.microsoft.com/office/drawing/2014/main" id="{5006D832-E6BA-854A-A4E8-DCB7D4B338CB}"/>
               </a:ext>
             </a:extLst>
           </p:cNvPr>
@@ -5864,8 +6003,12 @@
           <a:lstStyle/>
           <a:p>
             <a:r>
-              <a:rPr kumimoji="1" lang="ja-JP" altLang="en-US"/>
-              <a:t>主な競合</a:t>
+              <a:rPr kumimoji="1" lang="en-US" altLang="ja-JP" dirty="0"/>
+              <a:t>On Going</a:t>
+            </a:r>
+            <a:r>
+              <a:rPr kumimoji="1" lang="ja-JP" altLang="en-US"/>
+              <a:t>な課題</a:t>
             </a:r>
           </a:p>
         </p:txBody>
@@ -5875,7 +6018,7 @@
           <p:cNvPr id="3" name="コンテンツ プレースホルダー 2">
             <a:extLst>
               <a:ext uri="{FF2B5EF4-FFF2-40B4-BE49-F238E27FC236}">
-                <a16:creationId xmlns:a16="http://schemas.microsoft.com/office/drawing/2014/main" id="{B5CA4BDA-CBD3-3745-B4A4-1F6816EA8052}"/>
+                <a16:creationId xmlns:a16="http://schemas.microsoft.com/office/drawing/2014/main" id="{E4A7970B-99F9-534C-B70A-7A8C153F0B8D}"/>
               </a:ext>
             </a:extLst>
           </p:cNvPr>
@@ -5893,67 +6036,19 @@
           <a:p>
             <a:r>
               <a:rPr kumimoji="1" lang="en-US" altLang="ja-JP" dirty="0" err="1"/>
-              <a:t>PyVCF</a:t>
-            </a:r>
-            <a:r>
-              <a:rPr kumimoji="1" lang="en-US" altLang="ja-JP" dirty="0"/>
-              <a:t>(</a:t>
-            </a:r>
-            <a:r>
-              <a:rPr kumimoji="1" lang="ja-JP" altLang="en-US"/>
-              <a:t>依存することにした</a:t>
-            </a:r>
-            <a:r>
-              <a:rPr kumimoji="1" lang="en-US" altLang="ja-JP" dirty="0"/>
-              <a:t>)</a:t>
-            </a:r>
-          </a:p>
-          <a:p>
-            <a:r>
-              <a:rPr lang="en-US" altLang="ja-JP" dirty="0"/>
-              <a:t>VCF Explorer(GUI</a:t>
-            </a:r>
-            <a:r>
-              <a:rPr lang="ja-JP" altLang="en-US"/>
-              <a:t>ソフト。</a:t>
-            </a:r>
-            <a:r>
-              <a:rPr lang="en-US" altLang="ja-JP" dirty="0"/>
-              <a:t>SV</a:t>
-            </a:r>
-            <a:r>
-              <a:rPr lang="ja-JP" altLang="en-US"/>
-              <a:t>特化ではない</a:t>
-            </a:r>
-            <a:r>
-              <a:rPr lang="en-US" altLang="ja-JP" dirty="0"/>
-              <a:t>)</a:t>
-            </a:r>
-          </a:p>
-          <a:p>
-            <a:r>
-              <a:rPr kumimoji="1" lang="en-US" altLang="ja-JP" dirty="0" err="1"/>
-              <a:t>Annot</a:t>
-            </a:r>
-            <a:r>
-              <a:rPr lang="en-US" altLang="ja-JP" dirty="0" err="1"/>
-              <a:t>SV</a:t>
-            </a:r>
-            <a:endParaRPr lang="en-US" altLang="ja-JP" dirty="0"/>
-          </a:p>
-          <a:p>
-            <a:r>
-              <a:rPr kumimoji="1" lang="en-US" altLang="ja-JP" dirty="0" err="1"/>
-              <a:t>StructuralVariationAnnotation</a:t>
-            </a:r>
-            <a:endParaRPr kumimoji="1" lang="ja-JP" altLang="en-US"/>
+              <a:t>read_vcf</a:t>
+            </a:r>
+            <a:r>
+              <a:rPr kumimoji="1" lang="ja-JP" altLang="en-US"/>
+              <a:t>がめっちゃ遅い！！！</a:t>
+            </a:r>
           </a:p>
         </p:txBody>
       </p:sp>
     </p:spTree>
     <p:extLst>
       <p:ext uri="{BB962C8B-B14F-4D97-AF65-F5344CB8AC3E}">
-        <p14:creationId xmlns:p14="http://schemas.microsoft.com/office/powerpoint/2010/main" val="2415032305"/>
+        <p14:creationId xmlns:p14="http://schemas.microsoft.com/office/powerpoint/2010/main" val="36454214"/>
       </p:ext>
     </p:extLst>
   </p:cSld>
